--- a/gsa-presentation.pptx
+++ b/gsa-presentation.pptx
@@ -4,9 +4,14 @@
   <p:sldMasterIdLst>
     <p:sldMasterId id="2147483672" r:id="rId1"/>
   </p:sldMasterIdLst>
+  <p:notesMasterIdLst>
+    <p:notesMasterId r:id="rId6"/>
+  </p:notesMasterIdLst>
   <p:sldIdLst>
     <p:sldId id="256" r:id="rId2"/>
     <p:sldId id="257" r:id="rId3"/>
+    <p:sldId id="258" r:id="rId4"/>
+    <p:sldId id="259" r:id="rId5"/>
   </p:sldIdLst>
   <p:sldSz cx="9144000" cy="6858000" type="screen4x3"/>
   <p:notesSz cx="6858000" cy="9144000"/>
@@ -106,6 +111,434 @@
     </a:lvl9pPr>
   </p:defaultTextStyle>
 </p:presentation>
+</file>
+
+<file path=ppt/notesMasters/notesMaster1.xml><?xml version="1.0" encoding="utf-8"?>
+<p:notesMaster xmlns:a="http://schemas.openxmlformats.org/drawingml/2006/main" xmlns:r="http://schemas.openxmlformats.org/officeDocument/2006/relationships" xmlns:p="http://schemas.openxmlformats.org/presentationml/2006/main">
+  <p:cSld>
+    <p:bg>
+      <p:bgRef idx="1001">
+        <a:schemeClr val="bg1"/>
+      </p:bgRef>
+    </p:bg>
+    <p:spTree>
+      <p:nvGrpSpPr>
+        <p:cNvPr id="1" name=""/>
+        <p:cNvGrpSpPr/>
+        <p:nvPr/>
+      </p:nvGrpSpPr>
+      <p:grpSpPr>
+        <a:xfrm>
+          <a:off x="0" y="0"/>
+          <a:ext cx="0" cy="0"/>
+          <a:chOff x="0" y="0"/>
+          <a:chExt cx="0" cy="0"/>
+        </a:xfrm>
+      </p:grpSpPr>
+      <p:sp>
+        <p:nvSpPr>
+          <p:cNvPr id="2" name="Header Placeholder 1"/>
+          <p:cNvSpPr>
+            <a:spLocks noGrp="1"/>
+          </p:cNvSpPr>
+          <p:nvPr>
+            <p:ph type="hdr" sz="quarter"/>
+          </p:nvPr>
+        </p:nvSpPr>
+        <p:spPr>
+          <a:xfrm>
+            <a:off x="0" y="0"/>
+            <a:ext cx="2971800" cy="457200"/>
+          </a:xfrm>
+          <a:prstGeom prst="rect">
+            <a:avLst/>
+          </a:prstGeom>
+        </p:spPr>
+        <p:txBody>
+          <a:bodyPr vert="horz" lIns="91440" tIns="45720" rIns="91440" bIns="45720" rtlCol="0"/>
+          <a:lstStyle>
+            <a:lvl1pPr algn="l">
+              <a:defRPr sz="1200"/>
+            </a:lvl1pPr>
+          </a:lstStyle>
+          <a:p>
+            <a:endParaRPr lang="en-US"/>
+          </a:p>
+        </p:txBody>
+      </p:sp>
+      <p:sp>
+        <p:nvSpPr>
+          <p:cNvPr id="3" name="Date Placeholder 2"/>
+          <p:cNvSpPr>
+            <a:spLocks noGrp="1"/>
+          </p:cNvSpPr>
+          <p:nvPr>
+            <p:ph type="dt" idx="1"/>
+          </p:nvPr>
+        </p:nvSpPr>
+        <p:spPr>
+          <a:xfrm>
+            <a:off x="3884613" y="0"/>
+            <a:ext cx="2971800" cy="457200"/>
+          </a:xfrm>
+          <a:prstGeom prst="rect">
+            <a:avLst/>
+          </a:prstGeom>
+        </p:spPr>
+        <p:txBody>
+          <a:bodyPr vert="horz" lIns="91440" tIns="45720" rIns="91440" bIns="45720" rtlCol="0"/>
+          <a:lstStyle>
+            <a:lvl1pPr algn="r">
+              <a:defRPr sz="1200"/>
+            </a:lvl1pPr>
+          </a:lstStyle>
+          <a:p>
+            <a:fld id="{46B677E8-839D-439B-B2A6-7D27B3AD70BF}" type="datetimeFigureOut">
+              <a:rPr lang="en-US" smtClean="0"/>
+              <a:t>17/6/2012</a:t>
+            </a:fld>
+            <a:endParaRPr lang="en-US"/>
+          </a:p>
+        </p:txBody>
+      </p:sp>
+      <p:sp>
+        <p:nvSpPr>
+          <p:cNvPr id="4" name="Slide Image Placeholder 3"/>
+          <p:cNvSpPr>
+            <a:spLocks noGrp="1" noRot="1" noChangeAspect="1"/>
+          </p:cNvSpPr>
+          <p:nvPr>
+            <p:ph type="sldImg" idx="2"/>
+          </p:nvPr>
+        </p:nvSpPr>
+        <p:spPr>
+          <a:xfrm>
+            <a:off x="1143000" y="685800"/>
+            <a:ext cx="4572000" cy="3429000"/>
+          </a:xfrm>
+          <a:prstGeom prst="rect">
+            <a:avLst/>
+          </a:prstGeom>
+          <a:noFill/>
+          <a:ln w="12700">
+            <a:solidFill>
+              <a:prstClr val="black"/>
+            </a:solidFill>
+          </a:ln>
+        </p:spPr>
+        <p:txBody>
+          <a:bodyPr vert="horz" lIns="91440" tIns="45720" rIns="91440" bIns="45720" rtlCol="0" anchor="ctr"/>
+          <a:lstStyle/>
+          <a:p>
+            <a:endParaRPr lang="en-US"/>
+          </a:p>
+        </p:txBody>
+      </p:sp>
+      <p:sp>
+        <p:nvSpPr>
+          <p:cNvPr id="5" name="Notes Placeholder 4"/>
+          <p:cNvSpPr>
+            <a:spLocks noGrp="1"/>
+          </p:cNvSpPr>
+          <p:nvPr>
+            <p:ph type="body" sz="quarter" idx="3"/>
+          </p:nvPr>
+        </p:nvSpPr>
+        <p:spPr>
+          <a:xfrm>
+            <a:off x="685800" y="4343400"/>
+            <a:ext cx="5486400" cy="4114800"/>
+          </a:xfrm>
+          <a:prstGeom prst="rect">
+            <a:avLst/>
+          </a:prstGeom>
+        </p:spPr>
+        <p:txBody>
+          <a:bodyPr vert="horz" lIns="91440" tIns="45720" rIns="91440" bIns="45720" rtlCol="0">
+            <a:normAutofit/>
+          </a:bodyPr>
+          <a:lstStyle/>
+          <a:p>
+            <a:pPr lvl="0"/>
+            <a:r>
+              <a:rPr lang="en-US" smtClean="0"/>
+              <a:t>Click to edit Master text styles</a:t>
+            </a:r>
+          </a:p>
+          <a:p>
+            <a:pPr lvl="1"/>
+            <a:r>
+              <a:rPr lang="en-US" smtClean="0"/>
+              <a:t>Second level</a:t>
+            </a:r>
+          </a:p>
+          <a:p>
+            <a:pPr lvl="2"/>
+            <a:r>
+              <a:rPr lang="en-US" smtClean="0"/>
+              <a:t>Third level</a:t>
+            </a:r>
+          </a:p>
+          <a:p>
+            <a:pPr lvl="3"/>
+            <a:r>
+              <a:rPr lang="en-US" smtClean="0"/>
+              <a:t>Fourth level</a:t>
+            </a:r>
+          </a:p>
+          <a:p>
+            <a:pPr lvl="4"/>
+            <a:r>
+              <a:rPr lang="en-US" smtClean="0"/>
+              <a:t>Fifth level</a:t>
+            </a:r>
+            <a:endParaRPr lang="en-US"/>
+          </a:p>
+        </p:txBody>
+      </p:sp>
+      <p:sp>
+        <p:nvSpPr>
+          <p:cNvPr id="6" name="Footer Placeholder 5"/>
+          <p:cNvSpPr>
+            <a:spLocks noGrp="1"/>
+          </p:cNvSpPr>
+          <p:nvPr>
+            <p:ph type="ftr" sz="quarter" idx="4"/>
+          </p:nvPr>
+        </p:nvSpPr>
+        <p:spPr>
+          <a:xfrm>
+            <a:off x="0" y="8685213"/>
+            <a:ext cx="2971800" cy="457200"/>
+          </a:xfrm>
+          <a:prstGeom prst="rect">
+            <a:avLst/>
+          </a:prstGeom>
+        </p:spPr>
+        <p:txBody>
+          <a:bodyPr vert="horz" lIns="91440" tIns="45720" rIns="91440" bIns="45720" rtlCol="0" anchor="b"/>
+          <a:lstStyle>
+            <a:lvl1pPr algn="l">
+              <a:defRPr sz="1200"/>
+            </a:lvl1pPr>
+          </a:lstStyle>
+          <a:p>
+            <a:endParaRPr lang="en-US"/>
+          </a:p>
+        </p:txBody>
+      </p:sp>
+      <p:sp>
+        <p:nvSpPr>
+          <p:cNvPr id="7" name="Slide Number Placeholder 6"/>
+          <p:cNvSpPr>
+            <a:spLocks noGrp="1"/>
+          </p:cNvSpPr>
+          <p:nvPr>
+            <p:ph type="sldNum" sz="quarter" idx="5"/>
+          </p:nvPr>
+        </p:nvSpPr>
+        <p:spPr>
+          <a:xfrm>
+            <a:off x="3884613" y="8685213"/>
+            <a:ext cx="2971800" cy="457200"/>
+          </a:xfrm>
+          <a:prstGeom prst="rect">
+            <a:avLst/>
+          </a:prstGeom>
+        </p:spPr>
+        <p:txBody>
+          <a:bodyPr vert="horz" lIns="91440" tIns="45720" rIns="91440" bIns="45720" rtlCol="0" anchor="b"/>
+          <a:lstStyle>
+            <a:lvl1pPr algn="r">
+              <a:defRPr sz="1200"/>
+            </a:lvl1pPr>
+          </a:lstStyle>
+          <a:p>
+            <a:fld id="{8B58B64F-F9FB-41F8-9BD0-5BC2B464D75E}" type="slidenum">
+              <a:rPr lang="en-US" smtClean="0"/>
+              <a:t>‹#›</a:t>
+            </a:fld>
+            <a:endParaRPr lang="en-US"/>
+          </a:p>
+        </p:txBody>
+      </p:sp>
+    </p:spTree>
+  </p:cSld>
+  <p:clrMap bg1="lt1" tx1="dk1" bg2="lt2" tx2="dk2" accent1="accent1" accent2="accent2" accent3="accent3" accent4="accent4" accent5="accent5" accent6="accent6" hlink="hlink" folHlink="folHlink"/>
+  <p:notesStyle>
+    <a:lvl1pPr marL="0" algn="l" defTabSz="914400" rtl="0" eaLnBrk="1" latinLnBrk="0" hangingPunct="1">
+      <a:defRPr sz="1200" kern="1200">
+        <a:solidFill>
+          <a:schemeClr val="tx1"/>
+        </a:solidFill>
+        <a:latin typeface="+mn-lt"/>
+        <a:ea typeface="+mn-ea"/>
+        <a:cs typeface="+mn-cs"/>
+      </a:defRPr>
+    </a:lvl1pPr>
+    <a:lvl2pPr marL="457200" algn="l" defTabSz="914400" rtl="0" eaLnBrk="1" latinLnBrk="0" hangingPunct="1">
+      <a:defRPr sz="1200" kern="1200">
+        <a:solidFill>
+          <a:schemeClr val="tx1"/>
+        </a:solidFill>
+        <a:latin typeface="+mn-lt"/>
+        <a:ea typeface="+mn-ea"/>
+        <a:cs typeface="+mn-cs"/>
+      </a:defRPr>
+    </a:lvl2pPr>
+    <a:lvl3pPr marL="914400" algn="l" defTabSz="914400" rtl="0" eaLnBrk="1" latinLnBrk="0" hangingPunct="1">
+      <a:defRPr sz="1200" kern="1200">
+        <a:solidFill>
+          <a:schemeClr val="tx1"/>
+        </a:solidFill>
+        <a:latin typeface="+mn-lt"/>
+        <a:ea typeface="+mn-ea"/>
+        <a:cs typeface="+mn-cs"/>
+      </a:defRPr>
+    </a:lvl3pPr>
+    <a:lvl4pPr marL="1371600" algn="l" defTabSz="914400" rtl="0" eaLnBrk="1" latinLnBrk="0" hangingPunct="1">
+      <a:defRPr sz="1200" kern="1200">
+        <a:solidFill>
+          <a:schemeClr val="tx1"/>
+        </a:solidFill>
+        <a:latin typeface="+mn-lt"/>
+        <a:ea typeface="+mn-ea"/>
+        <a:cs typeface="+mn-cs"/>
+      </a:defRPr>
+    </a:lvl4pPr>
+    <a:lvl5pPr marL="1828800" algn="l" defTabSz="914400" rtl="0" eaLnBrk="1" latinLnBrk="0" hangingPunct="1">
+      <a:defRPr sz="1200" kern="1200">
+        <a:solidFill>
+          <a:schemeClr val="tx1"/>
+        </a:solidFill>
+        <a:latin typeface="+mn-lt"/>
+        <a:ea typeface="+mn-ea"/>
+        <a:cs typeface="+mn-cs"/>
+      </a:defRPr>
+    </a:lvl5pPr>
+    <a:lvl6pPr marL="2286000" algn="l" defTabSz="914400" rtl="0" eaLnBrk="1" latinLnBrk="0" hangingPunct="1">
+      <a:defRPr sz="1200" kern="1200">
+        <a:solidFill>
+          <a:schemeClr val="tx1"/>
+        </a:solidFill>
+        <a:latin typeface="+mn-lt"/>
+        <a:ea typeface="+mn-ea"/>
+        <a:cs typeface="+mn-cs"/>
+      </a:defRPr>
+    </a:lvl6pPr>
+    <a:lvl7pPr marL="2743200" algn="l" defTabSz="914400" rtl="0" eaLnBrk="1" latinLnBrk="0" hangingPunct="1">
+      <a:defRPr sz="1200" kern="1200">
+        <a:solidFill>
+          <a:schemeClr val="tx1"/>
+        </a:solidFill>
+        <a:latin typeface="+mn-lt"/>
+        <a:ea typeface="+mn-ea"/>
+        <a:cs typeface="+mn-cs"/>
+      </a:defRPr>
+    </a:lvl7pPr>
+    <a:lvl8pPr marL="3200400" algn="l" defTabSz="914400" rtl="0" eaLnBrk="1" latinLnBrk="0" hangingPunct="1">
+      <a:defRPr sz="1200" kern="1200">
+        <a:solidFill>
+          <a:schemeClr val="tx1"/>
+        </a:solidFill>
+        <a:latin typeface="+mn-lt"/>
+        <a:ea typeface="+mn-ea"/>
+        <a:cs typeface="+mn-cs"/>
+      </a:defRPr>
+    </a:lvl8pPr>
+    <a:lvl9pPr marL="3657600" algn="l" defTabSz="914400" rtl="0" eaLnBrk="1" latinLnBrk="0" hangingPunct="1">
+      <a:defRPr sz="1200" kern="1200">
+        <a:solidFill>
+          <a:schemeClr val="tx1"/>
+        </a:solidFill>
+        <a:latin typeface="+mn-lt"/>
+        <a:ea typeface="+mn-ea"/>
+        <a:cs typeface="+mn-cs"/>
+      </a:defRPr>
+    </a:lvl9pPr>
+  </p:notesStyle>
+</p:notesMaster>
+</file>
+
+<file path=ppt/notesSlides/notesSlide1.xml><?xml version="1.0" encoding="utf-8"?>
+<p:notes xmlns:a="http://schemas.openxmlformats.org/drawingml/2006/main" xmlns:r="http://schemas.openxmlformats.org/officeDocument/2006/relationships" xmlns:p="http://schemas.openxmlformats.org/presentationml/2006/main">
+  <p:cSld>
+    <p:spTree>
+      <p:nvGrpSpPr>
+        <p:cNvPr id="1" name=""/>
+        <p:cNvGrpSpPr/>
+        <p:nvPr/>
+      </p:nvGrpSpPr>
+      <p:grpSpPr>
+        <a:xfrm>
+          <a:off x="0" y="0"/>
+          <a:ext cx="0" cy="0"/>
+          <a:chOff x="0" y="0"/>
+          <a:chExt cx="0" cy="0"/>
+        </a:xfrm>
+      </p:grpSpPr>
+      <p:sp>
+        <p:nvSpPr>
+          <p:cNvPr id="2" name="Slide Image Placeholder 1"/>
+          <p:cNvSpPr>
+            <a:spLocks noGrp="1" noRot="1" noChangeAspect="1"/>
+          </p:cNvSpPr>
+          <p:nvPr>
+            <p:ph type="sldImg"/>
+          </p:nvPr>
+        </p:nvSpPr>
+        <p:spPr/>
+      </p:sp>
+      <p:sp>
+        <p:nvSpPr>
+          <p:cNvPr id="3" name="Notes Placeholder 2"/>
+          <p:cNvSpPr>
+            <a:spLocks noGrp="1"/>
+          </p:cNvSpPr>
+          <p:nvPr>
+            <p:ph type="body" idx="1"/>
+          </p:nvPr>
+        </p:nvSpPr>
+        <p:spPr/>
+        <p:txBody>
+          <a:bodyPr>
+            <a:normAutofit/>
+          </a:bodyPr>
+          <a:lstStyle/>
+          <a:p>
+            <a:endParaRPr lang="en-US"/>
+          </a:p>
+        </p:txBody>
+      </p:sp>
+      <p:sp>
+        <p:nvSpPr>
+          <p:cNvPr id="4" name="Slide Number Placeholder 3"/>
+          <p:cNvSpPr>
+            <a:spLocks noGrp="1"/>
+          </p:cNvSpPr>
+          <p:nvPr>
+            <p:ph type="sldNum" sz="quarter" idx="10"/>
+          </p:nvPr>
+        </p:nvSpPr>
+        <p:spPr/>
+        <p:txBody>
+          <a:bodyPr/>
+          <a:lstStyle/>
+          <a:p>
+            <a:fld id="{8B58B64F-F9FB-41F8-9BD0-5BC2B464D75E}" type="slidenum">
+              <a:rPr lang="en-US" smtClean="0"/>
+              <a:t>2</a:t>
+            </a:fld>
+            <a:endParaRPr lang="en-US"/>
+          </a:p>
+        </p:txBody>
+      </p:sp>
+    </p:spTree>
+  </p:cSld>
+  <p:clrMapOvr>
+    <a:masterClrMapping/>
+  </p:clrMapOvr>
+</p:notes>
 </file>
 
 <file path=ppt/slideLayouts/slideLayout1.xml><?xml version="1.0" encoding="utf-8"?>
@@ -5052,7 +5485,12 @@
             <p:ph type="ctrTitle"/>
           </p:nvPr>
         </p:nvSpPr>
-        <p:spPr/>
+        <p:spPr>
+          <a:xfrm>
+            <a:off x="2286000" y="1219200"/>
+            <a:ext cx="6172200" cy="1284762"/>
+          </a:xfrm>
+        </p:spPr>
         <p:txBody>
           <a:bodyPr/>
           <a:lstStyle/>
@@ -5063,7 +5501,15 @@
                   <a:schemeClr val="tx1"/>
                 </a:solidFill>
               </a:rPr>
-              <a:t>Google Search Appliance</a:t>
+              <a:t>Google Search </a:t>
+            </a:r>
+            <a:r>
+              <a:rPr lang="en-US" dirty="0" smtClean="0">
+                <a:solidFill>
+                  <a:schemeClr val="tx1"/>
+                </a:solidFill>
+              </a:rPr>
+              <a:t>Appliance presentation</a:t>
             </a:r>
             <a:endParaRPr lang="en-US" dirty="0">
               <a:solidFill>
@@ -5094,7 +5540,15 @@
                   <a:schemeClr val="tx1"/>
                 </a:solidFill>
               </a:rPr>
-              <a:t>By Marius Palade</a:t>
+              <a:t>By Marius </a:t>
+            </a:r>
+            <a:r>
+              <a:rPr lang="en-US" dirty="0" smtClean="0">
+                <a:solidFill>
+                  <a:schemeClr val="tx1"/>
+                </a:solidFill>
+              </a:rPr>
+              <a:t>Palade</a:t>
             </a:r>
             <a:endParaRPr lang="en-US" dirty="0">
               <a:solidFill>
@@ -5104,6 +5558,30 @@
           </a:p>
         </p:txBody>
       </p:sp>
+      <p:pic>
+        <p:nvPicPr>
+          <p:cNvPr id="4" name="Picture 3" descr="YellowBox.gif"/>
+          <p:cNvPicPr>
+            <a:picLocks noChangeAspect="1"/>
+          </p:cNvPicPr>
+          <p:nvPr/>
+        </p:nvPicPr>
+        <p:blipFill>
+          <a:blip r:embed="rId2" cstate="print"/>
+          <a:stretch>
+            <a:fillRect/>
+          </a:stretch>
+        </p:blipFill>
+        <p:spPr>
+          <a:xfrm>
+            <a:off x="3276600" y="2743200"/>
+            <a:ext cx="2590800" cy="1828800"/>
+          </a:xfrm>
+          <a:prstGeom prst="rect">
+            <a:avLst/>
+          </a:prstGeom>
+        </p:spPr>
+      </p:pic>
     </p:spTree>
   </p:cSld>
   <p:clrMapOvr>
@@ -5129,6 +5607,970 @@
           <a:chExt cx="0" cy="0"/>
         </a:xfrm>
       </p:grpSpPr>
+      <p:sp>
+        <p:nvSpPr>
+          <p:cNvPr id="5" name="Title 4"/>
+          <p:cNvSpPr>
+            <a:spLocks noGrp="1"/>
+          </p:cNvSpPr>
+          <p:nvPr>
+            <p:ph type="title"/>
+          </p:nvPr>
+        </p:nvSpPr>
+        <p:spPr>
+          <a:xfrm>
+            <a:off x="457200" y="274638"/>
+            <a:ext cx="7467600" cy="639762"/>
+          </a:xfrm>
+        </p:spPr>
+        <p:txBody>
+          <a:bodyPr/>
+          <a:lstStyle/>
+          <a:p>
+            <a:r>
+              <a:rPr lang="en-US" dirty="0" smtClean="0"/>
+              <a:t>What is the Google Search Appliance(GSA)?</a:t>
+            </a:r>
+            <a:endParaRPr lang="en-US" dirty="0"/>
+          </a:p>
+        </p:txBody>
+      </p:sp>
+      <p:sp>
+        <p:nvSpPr>
+          <p:cNvPr id="10" name="Content Placeholder 9"/>
+          <p:cNvSpPr>
+            <a:spLocks noGrp="1"/>
+          </p:cNvSpPr>
+          <p:nvPr>
+            <p:ph sz="quarter" idx="1"/>
+          </p:nvPr>
+        </p:nvSpPr>
+        <p:spPr>
+          <a:xfrm>
+            <a:off x="457200" y="1066800"/>
+            <a:ext cx="7620000" cy="5334000"/>
+          </a:xfrm>
+        </p:spPr>
+        <p:txBody>
+          <a:bodyPr>
+            <a:noAutofit/>
+          </a:bodyPr>
+          <a:lstStyle/>
+          <a:p>
+            <a:pPr>
+              <a:lnSpc>
+                <a:spcPct val="150000"/>
+              </a:lnSpc>
+            </a:pPr>
+            <a:r>
+              <a:rPr lang="en-US" sz="2000" dirty="0" smtClean="0">
+                <a:latin typeface="+mj-lt"/>
+              </a:rPr>
+              <a:t>A physical machine with  an operating system based on </a:t>
+            </a:r>
+            <a:r>
+              <a:rPr lang="en-US" sz="2000" dirty="0" err="1" smtClean="0">
+                <a:latin typeface="+mj-lt"/>
+              </a:rPr>
+              <a:t>CentOS</a:t>
+            </a:r>
+            <a:endParaRPr lang="en-US" sz="2000" dirty="0" smtClean="0">
+              <a:latin typeface="+mj-lt"/>
+            </a:endParaRPr>
+          </a:p>
+          <a:p>
+            <a:pPr>
+              <a:lnSpc>
+                <a:spcPct val="150000"/>
+              </a:lnSpc>
+            </a:pPr>
+            <a:r>
+              <a:rPr lang="en-US" sz="2000" dirty="0" smtClean="0">
+                <a:latin typeface="+mj-lt"/>
+              </a:rPr>
+              <a:t>Also comes with a T-shirt</a:t>
+            </a:r>
+          </a:p>
+          <a:p>
+            <a:pPr>
+              <a:lnSpc>
+                <a:spcPct val="150000"/>
+              </a:lnSpc>
+            </a:pPr>
+            <a:r>
+              <a:rPr lang="en-US" sz="2000" dirty="0" smtClean="0">
+                <a:latin typeface="+mj-lt"/>
+              </a:rPr>
+              <a:t>Brings the power of Google Search to our business</a:t>
+            </a:r>
+          </a:p>
+          <a:p>
+            <a:pPr>
+              <a:lnSpc>
+                <a:spcPct val="150000"/>
+              </a:lnSpc>
+            </a:pPr>
+            <a:r>
+              <a:rPr lang="en-US" sz="2000" dirty="0" smtClean="0">
+                <a:latin typeface="+mj-lt"/>
+              </a:rPr>
+              <a:t>Provides intuitive accurate search results across intranets, portals, file shares, databases, CRM&amp;CMS systems etc.</a:t>
+            </a:r>
+          </a:p>
+          <a:p>
+            <a:pPr>
+              <a:lnSpc>
+                <a:spcPct val="150000"/>
+              </a:lnSpc>
+            </a:pPr>
+            <a:r>
+              <a:rPr lang="en-US" sz="2000" dirty="0" smtClean="0">
+                <a:latin typeface="+mj-lt"/>
+              </a:rPr>
+              <a:t>Can index more than 220 file types</a:t>
+            </a:r>
+          </a:p>
+          <a:p>
+            <a:pPr>
+              <a:lnSpc>
+                <a:spcPct val="150000"/>
+              </a:lnSpc>
+            </a:pPr>
+            <a:r>
+              <a:rPr lang="en-US" sz="2000" dirty="0" smtClean="0">
+                <a:ea typeface="ＭＳ Ｐゴシック" pitchFamily="34" charset="-128"/>
+              </a:rPr>
+              <a:t>Intuitive and customizable </a:t>
+            </a:r>
+            <a:r>
+              <a:rPr lang="en-US" sz="2000" dirty="0" smtClean="0">
+                <a:ea typeface="ＭＳ Ｐゴシック" pitchFamily="34" charset="-128"/>
+              </a:rPr>
+              <a:t>interface</a:t>
+            </a:r>
+          </a:p>
+          <a:p>
+            <a:pPr>
+              <a:lnSpc>
+                <a:spcPct val="150000"/>
+              </a:lnSpc>
+            </a:pPr>
+            <a:r>
+              <a:rPr lang="en-US" sz="2000" dirty="0" smtClean="0">
+                <a:ea typeface="ＭＳ Ｐゴシック" pitchFamily="34" charset="-128"/>
+              </a:rPr>
+              <a:t>Integration and </a:t>
+            </a:r>
+            <a:r>
+              <a:rPr lang="en-US" sz="2000" dirty="0" smtClean="0">
+                <a:ea typeface="ＭＳ Ｐゴシック" pitchFamily="34" charset="-128"/>
+              </a:rPr>
+              <a:t>security</a:t>
+            </a:r>
+            <a:endParaRPr lang="en-US" sz="2000" dirty="0" smtClean="0">
+              <a:latin typeface="+mj-lt"/>
+            </a:endParaRPr>
+          </a:p>
+          <a:p>
+            <a:pPr>
+              <a:lnSpc>
+                <a:spcPct val="150000"/>
+              </a:lnSpc>
+            </a:pPr>
+            <a:r>
+              <a:rPr lang="en-US" sz="2000" dirty="0" smtClean="0">
+                <a:latin typeface="+mj-lt"/>
+              </a:rPr>
+              <a:t>Google calls this </a:t>
+            </a:r>
+            <a:r>
+              <a:rPr lang="en-US" sz="2000" b="1" dirty="0" smtClean="0">
+                <a:latin typeface="+mj-lt"/>
+              </a:rPr>
+              <a:t>Universal search</a:t>
+            </a:r>
+            <a:endParaRPr lang="en-US" sz="2000" dirty="0" smtClean="0">
+              <a:latin typeface="+mj-lt"/>
+            </a:endParaRPr>
+          </a:p>
+          <a:p>
+            <a:pPr>
+              <a:lnSpc>
+                <a:spcPct val="150000"/>
+              </a:lnSpc>
+              <a:buNone/>
+            </a:pPr>
+            <a:endParaRPr lang="en-US" sz="2000" dirty="0" smtClean="0">
+              <a:latin typeface="+mj-lt"/>
+            </a:endParaRPr>
+          </a:p>
+        </p:txBody>
+      </p:sp>
+    </p:spTree>
+  </p:cSld>
+  <p:clrMapOvr>
+    <a:masterClrMapping/>
+  </p:clrMapOvr>
+</p:sld>
+</file>
+
+<file path=ppt/slides/slide3.xml><?xml version="1.0" encoding="utf-8"?>
+<p:sld xmlns:a="http://schemas.openxmlformats.org/drawingml/2006/main" xmlns:r="http://schemas.openxmlformats.org/officeDocument/2006/relationships" xmlns:p="http://schemas.openxmlformats.org/presentationml/2006/main">
+  <p:cSld>
+    <p:spTree>
+      <p:nvGrpSpPr>
+        <p:cNvPr id="1" name=""/>
+        <p:cNvGrpSpPr/>
+        <p:nvPr/>
+      </p:nvGrpSpPr>
+      <p:grpSpPr>
+        <a:xfrm>
+          <a:off x="0" y="0"/>
+          <a:ext cx="0" cy="0"/>
+          <a:chOff x="0" y="0"/>
+          <a:chExt cx="0" cy="0"/>
+        </a:xfrm>
+      </p:grpSpPr>
+      <p:sp>
+        <p:nvSpPr>
+          <p:cNvPr id="2" name="Title 1"/>
+          <p:cNvSpPr>
+            <a:spLocks noGrp="1"/>
+          </p:cNvSpPr>
+          <p:nvPr>
+            <p:ph type="title"/>
+          </p:nvPr>
+        </p:nvSpPr>
+        <p:spPr>
+          <a:xfrm>
+            <a:off x="457200" y="274638"/>
+            <a:ext cx="7467600" cy="639762"/>
+          </a:xfrm>
+        </p:spPr>
+        <p:txBody>
+          <a:bodyPr>
+            <a:normAutofit/>
+          </a:bodyPr>
+          <a:lstStyle/>
+          <a:p>
+            <a:r>
+              <a:rPr lang="en-US" dirty="0" smtClean="0"/>
+              <a:t>What is Universal search?</a:t>
+            </a:r>
+            <a:endParaRPr lang="en-US" dirty="0"/>
+          </a:p>
+        </p:txBody>
+      </p:sp>
+      <p:sp>
+        <p:nvSpPr>
+          <p:cNvPr id="3" name="Content Placeholder 2"/>
+          <p:cNvSpPr>
+            <a:spLocks noGrp="1"/>
+          </p:cNvSpPr>
+          <p:nvPr>
+            <p:ph sz="quarter" idx="1"/>
+          </p:nvPr>
+        </p:nvSpPr>
+        <p:spPr>
+          <a:xfrm>
+            <a:off x="457200" y="1143000"/>
+            <a:ext cx="7467600" cy="762000"/>
+          </a:xfrm>
+        </p:spPr>
+        <p:txBody>
+          <a:bodyPr>
+            <a:normAutofit/>
+          </a:bodyPr>
+          <a:lstStyle/>
+          <a:p>
+            <a:r>
+              <a:rPr lang="en-US" sz="2000" dirty="0" smtClean="0"/>
+              <a:t>Search all content in a company through a single search box</a:t>
+            </a:r>
+            <a:endParaRPr lang="en-US" sz="2000" dirty="0"/>
+          </a:p>
+        </p:txBody>
+      </p:sp>
+      <p:pic>
+        <p:nvPicPr>
+          <p:cNvPr id="4" name="Picture 3" descr="univ_search_diagram2.gif"/>
+          <p:cNvPicPr>
+            <a:picLocks noChangeAspect="1"/>
+          </p:cNvPicPr>
+          <p:nvPr/>
+        </p:nvPicPr>
+        <p:blipFill>
+          <a:blip r:embed="rId2" cstate="print"/>
+          <a:stretch>
+            <a:fillRect/>
+          </a:stretch>
+        </p:blipFill>
+        <p:spPr>
+          <a:xfrm>
+            <a:off x="2027844" y="1905000"/>
+            <a:ext cx="5088312" cy="4648200"/>
+          </a:xfrm>
+          <a:prstGeom prst="rect">
+            <a:avLst/>
+          </a:prstGeom>
+        </p:spPr>
+      </p:pic>
+    </p:spTree>
+  </p:cSld>
+  <p:clrMapOvr>
+    <a:masterClrMapping/>
+  </p:clrMapOvr>
+</p:sld>
+</file>
+
+<file path=ppt/slides/slide4.xml><?xml version="1.0" encoding="utf-8"?>
+<p:sld xmlns:a="http://schemas.openxmlformats.org/drawingml/2006/main" xmlns:r="http://schemas.openxmlformats.org/officeDocument/2006/relationships" xmlns:p="http://schemas.openxmlformats.org/presentationml/2006/main">
+  <p:cSld>
+    <p:spTree>
+      <p:nvGrpSpPr>
+        <p:cNvPr id="1" name=""/>
+        <p:cNvGrpSpPr/>
+        <p:nvPr/>
+      </p:nvGrpSpPr>
+      <p:grpSpPr>
+        <a:xfrm>
+          <a:off x="0" y="0"/>
+          <a:ext cx="0" cy="0"/>
+          <a:chOff x="0" y="0"/>
+          <a:chExt cx="0" cy="0"/>
+        </a:xfrm>
+      </p:grpSpPr>
+      <p:sp>
+        <p:nvSpPr>
+          <p:cNvPr id="2" name="Title 1"/>
+          <p:cNvSpPr>
+            <a:spLocks noGrp="1"/>
+          </p:cNvSpPr>
+          <p:nvPr>
+            <p:ph type="title"/>
+          </p:nvPr>
+        </p:nvSpPr>
+        <p:spPr>
+          <a:xfrm>
+            <a:off x="457200" y="274638"/>
+            <a:ext cx="7467600" cy="487362"/>
+          </a:xfrm>
+        </p:spPr>
+        <p:txBody>
+          <a:bodyPr>
+            <a:normAutofit fontScale="90000"/>
+          </a:bodyPr>
+          <a:lstStyle/>
+          <a:p>
+            <a:r>
+              <a:rPr lang="en-US" dirty="0" smtClean="0"/>
+              <a:t>How the GSA works?</a:t>
+            </a:r>
+            <a:endParaRPr lang="en-US" dirty="0"/>
+          </a:p>
+        </p:txBody>
+      </p:sp>
+      <p:pic>
+        <p:nvPicPr>
+          <p:cNvPr id="15" name="Picture 5" descr="Picture 6.png"/>
+          <p:cNvPicPr>
+            <a:picLocks noChangeAspect="1"/>
+          </p:cNvPicPr>
+          <p:nvPr/>
+        </p:nvPicPr>
+        <p:blipFill>
+          <a:blip r:embed="rId2" cstate="print"/>
+          <a:srcRect/>
+          <a:stretch>
+            <a:fillRect/>
+          </a:stretch>
+        </p:blipFill>
+        <p:spPr bwMode="auto">
+          <a:xfrm>
+            <a:off x="3262313" y="3554413"/>
+            <a:ext cx="2701925" cy="973137"/>
+          </a:xfrm>
+          <a:prstGeom prst="rect">
+            <a:avLst/>
+          </a:prstGeom>
+          <a:noFill/>
+          <a:ln w="9525">
+            <a:noFill/>
+            <a:miter lim="800000"/>
+            <a:headEnd/>
+            <a:tailEnd/>
+          </a:ln>
+        </p:spPr>
+      </p:pic>
+      <p:sp>
+        <p:nvSpPr>
+          <p:cNvPr id="16" name="Rectangle 3"/>
+          <p:cNvSpPr txBox="1">
+            <a:spLocks noChangeArrowheads="1"/>
+          </p:cNvSpPr>
+          <p:nvPr/>
+        </p:nvSpPr>
+        <p:spPr>
+          <a:xfrm>
+            <a:off x="457200" y="1084263"/>
+            <a:ext cx="8229600" cy="1757362"/>
+          </a:xfrm>
+          <a:prstGeom prst="rect">
+            <a:avLst/>
+          </a:prstGeom>
+        </p:spPr>
+        <p:txBody>
+          <a:bodyPr vert="horz">
+            <a:normAutofit/>
+          </a:bodyPr>
+          <a:lstStyle/>
+          <a:p>
+            <a:pPr marL="274320" marR="0" lvl="0" indent="-274320" algn="l" defTabSz="914400" rtl="0" eaLnBrk="1" fontAlgn="auto" latinLnBrk="0" hangingPunct="1">
+              <a:lnSpc>
+                <a:spcPct val="100000"/>
+              </a:lnSpc>
+              <a:spcBef>
+                <a:spcPts val="600"/>
+              </a:spcBef>
+              <a:spcAft>
+                <a:spcPts val="0"/>
+              </a:spcAft>
+              <a:buClr>
+                <a:schemeClr val="accent1"/>
+              </a:buClr>
+              <a:buSzPct val="70000"/>
+              <a:buFont typeface="Wingdings"/>
+              <a:buChar char=""/>
+              <a:tabLst/>
+              <a:defRPr/>
+            </a:pPr>
+            <a:r>
+              <a:rPr kumimoji="0" lang="en-US" sz="2400" b="0" i="0" u="none" strike="noStrike" kern="1200" cap="none" spc="0" normalizeH="0" baseline="0" noProof="0" dirty="0" smtClean="0">
+                <a:ln>
+                  <a:noFill/>
+                </a:ln>
+                <a:solidFill>
+                  <a:schemeClr val="tx1"/>
+                </a:solidFill>
+                <a:effectLst/>
+                <a:uLnTx/>
+                <a:uFillTx/>
+                <a:latin typeface="+mn-lt"/>
+                <a:ea typeface="ＭＳ Ｐゴシック" pitchFamily="34" charset="-128"/>
+                <a:cs typeface="+mn-cs"/>
+              </a:rPr>
+              <a:t>Three main processes:</a:t>
+            </a:r>
+          </a:p>
+          <a:p>
+            <a:pPr marL="458788" marR="0" lvl="1" indent="-457200" algn="l" defTabSz="914400" rtl="0" eaLnBrk="1" fontAlgn="auto" latinLnBrk="0" hangingPunct="1">
+              <a:lnSpc>
+                <a:spcPct val="100000"/>
+              </a:lnSpc>
+              <a:spcBef>
+                <a:spcPct val="20000"/>
+              </a:spcBef>
+              <a:spcAft>
+                <a:spcPts val="0"/>
+              </a:spcAft>
+              <a:buClr>
+                <a:schemeClr val="accent1"/>
+              </a:buClr>
+              <a:buSzPct val="80000"/>
+              <a:buFontTx/>
+              <a:buAutoNum type="arabicPeriod"/>
+              <a:tabLst/>
+              <a:defRPr/>
+            </a:pPr>
+            <a:r>
+              <a:rPr kumimoji="0" lang="en-US" sz="2100" b="0" i="0" u="none" strike="noStrike" kern="1200" cap="none" spc="0" normalizeH="0" baseline="0" noProof="0" dirty="0" smtClean="0">
+                <a:ln>
+                  <a:noFill/>
+                </a:ln>
+                <a:solidFill>
+                  <a:schemeClr val="tx1"/>
+                </a:solidFill>
+                <a:effectLst/>
+                <a:uLnTx/>
+                <a:uFillTx/>
+                <a:latin typeface="+mn-lt"/>
+                <a:ea typeface="ＭＳ Ｐゴシック" pitchFamily="34" charset="-128"/>
+                <a:cs typeface="+mn-cs"/>
+              </a:rPr>
+              <a:t>Acquire content (crawl)</a:t>
+            </a:r>
+          </a:p>
+          <a:p>
+            <a:pPr marL="458788" marR="0" lvl="1" indent="-457200" algn="l" defTabSz="914400" rtl="0" eaLnBrk="1" fontAlgn="auto" latinLnBrk="0" hangingPunct="1">
+              <a:lnSpc>
+                <a:spcPct val="100000"/>
+              </a:lnSpc>
+              <a:spcBef>
+                <a:spcPct val="20000"/>
+              </a:spcBef>
+              <a:spcAft>
+                <a:spcPts val="0"/>
+              </a:spcAft>
+              <a:buClr>
+                <a:schemeClr val="accent1"/>
+              </a:buClr>
+              <a:buSzPct val="80000"/>
+              <a:buFontTx/>
+              <a:buAutoNum type="arabicPeriod"/>
+              <a:tabLst/>
+              <a:defRPr/>
+            </a:pPr>
+            <a:r>
+              <a:rPr kumimoji="0" lang="en-US" sz="2100" b="0" i="0" u="none" strike="noStrike" kern="1200" cap="none" spc="0" normalizeH="0" baseline="0" noProof="0" dirty="0" smtClean="0">
+                <a:ln>
+                  <a:noFill/>
+                </a:ln>
+                <a:solidFill>
+                  <a:schemeClr val="tx1"/>
+                </a:solidFill>
+                <a:effectLst/>
+                <a:uLnTx/>
+                <a:uFillTx/>
+                <a:latin typeface="+mn-lt"/>
+                <a:ea typeface="ＭＳ Ｐゴシック" pitchFamily="34" charset="-128"/>
+                <a:cs typeface="+mn-cs"/>
+              </a:rPr>
+              <a:t>Cache content and build an index for fast lookup</a:t>
+            </a:r>
+          </a:p>
+          <a:p>
+            <a:pPr marL="458788" marR="0" lvl="1" indent="-457200" algn="l" defTabSz="914400" rtl="0" eaLnBrk="1" fontAlgn="auto" latinLnBrk="0" hangingPunct="1">
+              <a:lnSpc>
+                <a:spcPct val="100000"/>
+              </a:lnSpc>
+              <a:spcBef>
+                <a:spcPct val="20000"/>
+              </a:spcBef>
+              <a:spcAft>
+                <a:spcPts val="0"/>
+              </a:spcAft>
+              <a:buClr>
+                <a:schemeClr val="accent1"/>
+              </a:buClr>
+              <a:buSzPct val="80000"/>
+              <a:buFontTx/>
+              <a:buAutoNum type="arabicPeriod"/>
+              <a:tabLst/>
+              <a:defRPr/>
+            </a:pPr>
+            <a:r>
+              <a:rPr kumimoji="0" lang="en-US" sz="2100" b="0" i="0" u="none" strike="noStrike" kern="1200" cap="none" spc="0" normalizeH="0" baseline="0" noProof="0" dirty="0" smtClean="0">
+                <a:ln>
+                  <a:noFill/>
+                </a:ln>
+                <a:solidFill>
+                  <a:schemeClr val="tx1"/>
+                </a:solidFill>
+                <a:effectLst/>
+                <a:uLnTx/>
+                <a:uFillTx/>
+                <a:latin typeface="+mn-lt"/>
+                <a:ea typeface="ＭＳ Ｐゴシック" pitchFamily="34" charset="-128"/>
+                <a:cs typeface="+mn-cs"/>
+              </a:rPr>
+              <a:t>Serve results to users</a:t>
+            </a:r>
+          </a:p>
+        </p:txBody>
+      </p:sp>
+      <p:sp>
+        <p:nvSpPr>
+          <p:cNvPr id="17" name="AutoShape 5"/>
+          <p:cNvSpPr>
+            <a:spLocks noChangeArrowheads="1"/>
+          </p:cNvSpPr>
+          <p:nvPr/>
+        </p:nvSpPr>
+        <p:spPr bwMode="auto">
+          <a:xfrm>
+            <a:off x="4062413" y="5254625"/>
+            <a:ext cx="1219200" cy="449263"/>
+          </a:xfrm>
+          <a:prstGeom prst="can">
+            <a:avLst>
+              <a:gd name="adj" fmla="val 25000"/>
+            </a:avLst>
+          </a:prstGeom>
+          <a:solidFill>
+            <a:schemeClr val="accent2"/>
+          </a:solidFill>
+          <a:ln w="9525">
+            <a:solidFill>
+              <a:schemeClr val="tx1"/>
+            </a:solidFill>
+            <a:round/>
+            <a:headEnd/>
+            <a:tailEnd/>
+          </a:ln>
+        </p:spPr>
+        <p:txBody>
+          <a:bodyPr wrap="none" anchor="ctr"/>
+          <a:lstStyle/>
+          <a:p>
+            <a:pPr algn="ctr">
+              <a:lnSpc>
+                <a:spcPct val="100000"/>
+              </a:lnSpc>
+            </a:pPr>
+            <a:r>
+              <a:rPr lang="en-US" b="1"/>
+              <a:t>Index</a:t>
+            </a:r>
+          </a:p>
+        </p:txBody>
+      </p:sp>
+      <p:sp>
+        <p:nvSpPr>
+          <p:cNvPr id="18" name="Rectangle 24"/>
+          <p:cNvSpPr>
+            <a:spLocks noChangeArrowheads="1"/>
+          </p:cNvSpPr>
+          <p:nvPr/>
+        </p:nvSpPr>
+        <p:spPr bwMode="auto">
+          <a:xfrm>
+            <a:off x="6837362" y="3633787"/>
+            <a:ext cx="1503363" cy="415925"/>
+          </a:xfrm>
+          <a:prstGeom prst="rect">
+            <a:avLst/>
+          </a:prstGeom>
+          <a:noFill/>
+          <a:ln w="12700">
+            <a:solidFill>
+              <a:schemeClr val="tx2"/>
+            </a:solidFill>
+            <a:miter lim="800000"/>
+            <a:headEnd/>
+            <a:tailEnd/>
+          </a:ln>
+        </p:spPr>
+        <p:txBody>
+          <a:bodyPr lIns="0" tIns="0" rIns="0" bIns="0" anchor="ctr"/>
+          <a:lstStyle/>
+          <a:p>
+            <a:pPr algn="ctr"/>
+            <a:r>
+              <a:rPr lang="en-US" sz="1600" dirty="0">
+                <a:solidFill>
+                  <a:schemeClr val="accent1"/>
+                </a:solidFill>
+              </a:rPr>
+              <a:t>Web Servers</a:t>
+            </a:r>
+          </a:p>
+        </p:txBody>
+      </p:sp>
+      <p:sp>
+        <p:nvSpPr>
+          <p:cNvPr id="19" name="Line 32"/>
+          <p:cNvSpPr>
+            <a:spLocks noChangeShapeType="1"/>
+          </p:cNvSpPr>
+          <p:nvPr/>
+        </p:nvSpPr>
+        <p:spPr bwMode="auto">
+          <a:xfrm flipH="1">
+            <a:off x="5894387" y="4110037"/>
+            <a:ext cx="673100" cy="0"/>
+          </a:xfrm>
+          <a:prstGeom prst="line">
+            <a:avLst/>
+          </a:prstGeom>
+          <a:noFill/>
+          <a:ln w="28575">
+            <a:solidFill>
+              <a:schemeClr val="accent1"/>
+            </a:solidFill>
+            <a:round/>
+            <a:headEnd type="triangle" w="med" len="med"/>
+            <a:tailEnd type="triangle" w="med" len="med"/>
+          </a:ln>
+        </p:spPr>
+        <p:txBody>
+          <a:bodyPr wrap="none"/>
+          <a:lstStyle/>
+          <a:p>
+            <a:endParaRPr lang="en-US"/>
+          </a:p>
+        </p:txBody>
+      </p:sp>
+      <p:sp>
+        <p:nvSpPr>
+          <p:cNvPr id="20" name="Line 33"/>
+          <p:cNvSpPr>
+            <a:spLocks noChangeShapeType="1"/>
+          </p:cNvSpPr>
+          <p:nvPr/>
+        </p:nvSpPr>
+        <p:spPr bwMode="auto">
+          <a:xfrm>
+            <a:off x="4670425" y="4659313"/>
+            <a:ext cx="0" cy="465137"/>
+          </a:xfrm>
+          <a:prstGeom prst="line">
+            <a:avLst/>
+          </a:prstGeom>
+          <a:noFill/>
+          <a:ln w="28575">
+            <a:solidFill>
+              <a:schemeClr val="accent1"/>
+            </a:solidFill>
+            <a:round/>
+            <a:headEnd/>
+            <a:tailEnd type="triangle" w="med" len="med"/>
+          </a:ln>
+        </p:spPr>
+        <p:txBody>
+          <a:bodyPr wrap="none"/>
+          <a:lstStyle/>
+          <a:p>
+            <a:endParaRPr lang="en-US"/>
+          </a:p>
+        </p:txBody>
+      </p:sp>
+      <p:sp>
+        <p:nvSpPr>
+          <p:cNvPr id="21" name="Line 38"/>
+          <p:cNvSpPr>
+            <a:spLocks noChangeShapeType="1"/>
+          </p:cNvSpPr>
+          <p:nvPr/>
+        </p:nvSpPr>
+        <p:spPr bwMode="auto">
+          <a:xfrm>
+            <a:off x="2540000" y="4157663"/>
+            <a:ext cx="673100" cy="0"/>
+          </a:xfrm>
+          <a:prstGeom prst="line">
+            <a:avLst/>
+          </a:prstGeom>
+          <a:noFill/>
+          <a:ln w="28575">
+            <a:solidFill>
+              <a:schemeClr val="accent1"/>
+            </a:solidFill>
+            <a:round/>
+            <a:headEnd/>
+            <a:tailEnd type="triangle" w="med" len="med"/>
+          </a:ln>
+        </p:spPr>
+        <p:txBody>
+          <a:bodyPr wrap="none"/>
+          <a:lstStyle/>
+          <a:p>
+            <a:endParaRPr lang="en-US"/>
+          </a:p>
+        </p:txBody>
+      </p:sp>
+      <p:sp>
+        <p:nvSpPr>
+          <p:cNvPr id="22" name="Oval 39"/>
+          <p:cNvSpPr>
+            <a:spLocks noChangeArrowheads="1"/>
+          </p:cNvSpPr>
+          <p:nvPr/>
+        </p:nvSpPr>
+        <p:spPr bwMode="auto">
+          <a:xfrm>
+            <a:off x="6096000" y="3581400"/>
+            <a:ext cx="304800" cy="306387"/>
+          </a:xfrm>
+          <a:prstGeom prst="ellipse">
+            <a:avLst/>
+          </a:prstGeom>
+          <a:solidFill>
+            <a:schemeClr val="accent1"/>
+          </a:solidFill>
+          <a:ln w="28575">
+            <a:solidFill>
+              <a:schemeClr val="accent1"/>
+            </a:solidFill>
+            <a:round/>
+            <a:headEnd/>
+            <a:tailEnd/>
+          </a:ln>
+        </p:spPr>
+        <p:txBody>
+          <a:bodyPr wrap="none" anchor="ctr"/>
+          <a:lstStyle/>
+          <a:p>
+            <a:r>
+              <a:rPr lang="en-US" b="1">
+                <a:solidFill>
+                  <a:schemeClr val="bg1"/>
+                </a:solidFill>
+              </a:rPr>
+              <a:t>1</a:t>
+            </a:r>
+          </a:p>
+        </p:txBody>
+      </p:sp>
+      <p:pic>
+        <p:nvPicPr>
+          <p:cNvPr id="23" name="Picture 40" descr="google_search1"/>
+          <p:cNvPicPr>
+            <a:picLocks noChangeAspect="1" noChangeArrowheads="1"/>
+          </p:cNvPicPr>
+          <p:nvPr/>
+        </p:nvPicPr>
+        <p:blipFill>
+          <a:blip r:embed="rId3" cstate="print"/>
+          <a:srcRect l="-7249" t="-4497" r="33534" b="10925"/>
+          <a:stretch>
+            <a:fillRect/>
+          </a:stretch>
+        </p:blipFill>
+        <p:spPr bwMode="auto">
+          <a:xfrm>
+            <a:off x="0" y="3657600"/>
+            <a:ext cx="2371725" cy="1077913"/>
+          </a:xfrm>
+          <a:prstGeom prst="rect">
+            <a:avLst/>
+          </a:prstGeom>
+          <a:noFill/>
+          <a:ln w="9525">
+            <a:noFill/>
+            <a:miter lim="800000"/>
+            <a:headEnd/>
+            <a:tailEnd/>
+          </a:ln>
+        </p:spPr>
+      </p:pic>
+      <p:sp>
+        <p:nvSpPr>
+          <p:cNvPr id="24" name="Oval 41"/>
+          <p:cNvSpPr>
+            <a:spLocks noChangeArrowheads="1"/>
+          </p:cNvSpPr>
+          <p:nvPr/>
+        </p:nvSpPr>
+        <p:spPr bwMode="auto">
+          <a:xfrm>
+            <a:off x="2743200" y="3657600"/>
+            <a:ext cx="304800" cy="306388"/>
+          </a:xfrm>
+          <a:prstGeom prst="ellipse">
+            <a:avLst/>
+          </a:prstGeom>
+          <a:solidFill>
+            <a:schemeClr val="accent1"/>
+          </a:solidFill>
+          <a:ln w="28575">
+            <a:solidFill>
+              <a:schemeClr val="accent1"/>
+            </a:solidFill>
+            <a:round/>
+            <a:headEnd/>
+            <a:tailEnd/>
+          </a:ln>
+        </p:spPr>
+        <p:txBody>
+          <a:bodyPr wrap="none" anchor="ctr"/>
+          <a:lstStyle/>
+          <a:p>
+            <a:r>
+              <a:rPr lang="en-US" b="1" dirty="0">
+                <a:solidFill>
+                  <a:schemeClr val="bg1"/>
+                </a:solidFill>
+              </a:rPr>
+              <a:t>3</a:t>
+            </a:r>
+          </a:p>
+        </p:txBody>
+      </p:sp>
+      <p:sp>
+        <p:nvSpPr>
+          <p:cNvPr id="25" name="Oval 42"/>
+          <p:cNvSpPr>
+            <a:spLocks noChangeArrowheads="1"/>
+          </p:cNvSpPr>
+          <p:nvPr/>
+        </p:nvSpPr>
+        <p:spPr bwMode="auto">
+          <a:xfrm>
+            <a:off x="4932363" y="4692650"/>
+            <a:ext cx="304800" cy="306388"/>
+          </a:xfrm>
+          <a:prstGeom prst="ellipse">
+            <a:avLst/>
+          </a:prstGeom>
+          <a:solidFill>
+            <a:schemeClr val="accent1"/>
+          </a:solidFill>
+          <a:ln w="28575">
+            <a:solidFill>
+              <a:schemeClr val="accent1"/>
+            </a:solidFill>
+            <a:round/>
+            <a:headEnd/>
+            <a:tailEnd/>
+          </a:ln>
+        </p:spPr>
+        <p:txBody>
+          <a:bodyPr wrap="none" anchor="ctr"/>
+          <a:lstStyle/>
+          <a:p>
+            <a:r>
+              <a:rPr lang="en-US" b="1">
+                <a:solidFill>
+                  <a:schemeClr val="bg1"/>
+                </a:solidFill>
+              </a:rPr>
+              <a:t>2</a:t>
+            </a:r>
+          </a:p>
+        </p:txBody>
+      </p:sp>
+      <p:sp>
+        <p:nvSpPr>
+          <p:cNvPr id="26" name="Rectangle 24"/>
+          <p:cNvSpPr>
+            <a:spLocks noChangeArrowheads="1"/>
+          </p:cNvSpPr>
+          <p:nvPr/>
+        </p:nvSpPr>
+        <p:spPr bwMode="auto">
+          <a:xfrm>
+            <a:off x="6824662" y="4232275"/>
+            <a:ext cx="1503363" cy="415925"/>
+          </a:xfrm>
+          <a:prstGeom prst="rect">
+            <a:avLst/>
+          </a:prstGeom>
+          <a:noFill/>
+          <a:ln w="12700">
+            <a:solidFill>
+              <a:schemeClr val="tx2"/>
+            </a:solidFill>
+            <a:miter lim="800000"/>
+            <a:headEnd/>
+            <a:tailEnd/>
+          </a:ln>
+        </p:spPr>
+        <p:txBody>
+          <a:bodyPr lIns="0" tIns="0" rIns="0" bIns="0" anchor="ctr"/>
+          <a:lstStyle/>
+          <a:p>
+            <a:pPr algn="ctr"/>
+            <a:r>
+              <a:rPr lang="en-US" sz="1600">
+                <a:solidFill>
+                  <a:schemeClr val="accent1"/>
+                </a:solidFill>
+              </a:rPr>
+              <a:t>File Servers</a:t>
+            </a:r>
+          </a:p>
+        </p:txBody>
+      </p:sp>
     </p:spTree>
   </p:cSld>
   <p:clrMapOvr>
@@ -5185,7 +6627,7 @@
         <a:cs typeface=""/>
       </a:majorFont>
       <a:minorFont>
-        <a:latin typeface="Monaco"/>
+        <a:latin typeface="Trebuchet MS"/>
         <a:ea typeface=""/>
         <a:cs typeface=""/>
       </a:minorFont>
@@ -5351,4 +6793,287 @@
   <a:objectDefaults/>
   <a:extraClrSchemeLst/>
 </a:theme>
+</file>
+
+<file path=ppt/theme/theme2.xml><?xml version="1.0" encoding="utf-8"?>
+<a:theme xmlns:a="http://schemas.openxmlformats.org/drawingml/2006/main" name="Office Theme">
+  <a:themeElements>
+    <a:clrScheme name="Office">
+      <a:dk1>
+        <a:sysClr val="windowText" lastClr="000000"/>
+      </a:dk1>
+      <a:lt1>
+        <a:sysClr val="window" lastClr="FFFFFF"/>
+      </a:lt1>
+      <a:dk2>
+        <a:srgbClr val="1F497D"/>
+      </a:dk2>
+      <a:lt2>
+        <a:srgbClr val="EEECE1"/>
+      </a:lt2>
+      <a:accent1>
+        <a:srgbClr val="4F81BD"/>
+      </a:accent1>
+      <a:accent2>
+        <a:srgbClr val="C0504D"/>
+      </a:accent2>
+      <a:accent3>
+        <a:srgbClr val="9BBB59"/>
+      </a:accent3>
+      <a:accent4>
+        <a:srgbClr val="8064A2"/>
+      </a:accent4>
+      <a:accent5>
+        <a:srgbClr val="4BACC6"/>
+      </a:accent5>
+      <a:accent6>
+        <a:srgbClr val="F79646"/>
+      </a:accent6>
+      <a:hlink>
+        <a:srgbClr val="0000FF"/>
+      </a:hlink>
+      <a:folHlink>
+        <a:srgbClr val="800080"/>
+      </a:folHlink>
+    </a:clrScheme>
+    <a:fontScheme name="Office">
+      <a:majorFont>
+        <a:latin typeface="Calibri"/>
+        <a:ea typeface=""/>
+        <a:cs typeface=""/>
+        <a:font script="Jpan" typeface="ＭＳ Ｐゴシック"/>
+        <a:font script="Hang" typeface="맑은 고딕"/>
+        <a:font script="Hans" typeface="宋体"/>
+        <a:font script="Hant" typeface="新細明體"/>
+        <a:font script="Arab" typeface="Times New Roman"/>
+        <a:font script="Hebr" typeface="Times New Roman"/>
+        <a:font script="Thai" typeface="Angsana New"/>
+        <a:font script="Ethi" typeface="Nyala"/>
+        <a:font script="Beng" typeface="Vrinda"/>
+        <a:font script="Gujr" typeface="Shruti"/>
+        <a:font script="Khmr" typeface="MoolBoran"/>
+        <a:font script="Knda" typeface="Tunga"/>
+        <a:font script="Guru" typeface="Raavi"/>
+        <a:font script="Cans" typeface="Euphemia"/>
+        <a:font script="Cher" typeface="Plantagenet Cherokee"/>
+        <a:font script="Yiii" typeface="Microsoft Yi Baiti"/>
+        <a:font script="Tibt" typeface="Microsoft Himalaya"/>
+        <a:font script="Thaa" typeface="MV Boli"/>
+        <a:font script="Deva" typeface="Mangal"/>
+        <a:font script="Telu" typeface="Gautami"/>
+        <a:font script="Taml" typeface="Latha"/>
+        <a:font script="Syrc" typeface="Estrangelo Edessa"/>
+        <a:font script="Orya" typeface="Kalinga"/>
+        <a:font script="Mlym" typeface="Kartika"/>
+        <a:font script="Laoo" typeface="DokChampa"/>
+        <a:font script="Sinh" typeface="Iskoola Pota"/>
+        <a:font script="Mong" typeface="Mongolian Baiti"/>
+        <a:font script="Viet" typeface="Times New Roman"/>
+        <a:font script="Uigh" typeface="Microsoft Uighur"/>
+      </a:majorFont>
+      <a:minorFont>
+        <a:latin typeface="Calibri"/>
+        <a:ea typeface=""/>
+        <a:cs typeface=""/>
+        <a:font script="Jpan" typeface="ＭＳ Ｐゴシック"/>
+        <a:font script="Hang" typeface="맑은 고딕"/>
+        <a:font script="Hans" typeface="宋体"/>
+        <a:font script="Hant" typeface="新細明體"/>
+        <a:font script="Arab" typeface="Arial"/>
+        <a:font script="Hebr" typeface="Arial"/>
+        <a:font script="Thai" typeface="Cordia New"/>
+        <a:font script="Ethi" typeface="Nyala"/>
+        <a:font script="Beng" typeface="Vrinda"/>
+        <a:font script="Gujr" typeface="Shruti"/>
+        <a:font script="Khmr" typeface="DaunPenh"/>
+        <a:font script="Knda" typeface="Tunga"/>
+        <a:font script="Guru" typeface="Raavi"/>
+        <a:font script="Cans" typeface="Euphemia"/>
+        <a:font script="Cher" typeface="Plantagenet Cherokee"/>
+        <a:font script="Yiii" typeface="Microsoft Yi Baiti"/>
+        <a:font script="Tibt" typeface="Microsoft Himalaya"/>
+        <a:font script="Thaa" typeface="MV Boli"/>
+        <a:font script="Deva" typeface="Mangal"/>
+        <a:font script="Telu" typeface="Gautami"/>
+        <a:font script="Taml" typeface="Latha"/>
+        <a:font script="Syrc" typeface="Estrangelo Edessa"/>
+        <a:font script="Orya" typeface="Kalinga"/>
+        <a:font script="Mlym" typeface="Kartika"/>
+        <a:font script="Laoo" typeface="DokChampa"/>
+        <a:font script="Sinh" typeface="Iskoola Pota"/>
+        <a:font script="Mong" typeface="Mongolian Baiti"/>
+        <a:font script="Viet" typeface="Arial"/>
+        <a:font script="Uigh" typeface="Microsoft Uighur"/>
+      </a:minorFont>
+    </a:fontScheme>
+    <a:fmtScheme name="Office">
+      <a:fillStyleLst>
+        <a:solidFill>
+          <a:schemeClr val="phClr"/>
+        </a:solidFill>
+        <a:gradFill rotWithShape="1">
+          <a:gsLst>
+            <a:gs pos="0">
+              <a:schemeClr val="phClr">
+                <a:tint val="50000"/>
+                <a:satMod val="300000"/>
+              </a:schemeClr>
+            </a:gs>
+            <a:gs pos="35000">
+              <a:schemeClr val="phClr">
+                <a:tint val="37000"/>
+                <a:satMod val="300000"/>
+              </a:schemeClr>
+            </a:gs>
+            <a:gs pos="100000">
+              <a:schemeClr val="phClr">
+                <a:tint val="15000"/>
+                <a:satMod val="350000"/>
+              </a:schemeClr>
+            </a:gs>
+          </a:gsLst>
+          <a:lin ang="16200000" scaled="1"/>
+        </a:gradFill>
+        <a:gradFill rotWithShape="1">
+          <a:gsLst>
+            <a:gs pos="0">
+              <a:schemeClr val="phClr">
+                <a:shade val="51000"/>
+                <a:satMod val="130000"/>
+              </a:schemeClr>
+            </a:gs>
+            <a:gs pos="80000">
+              <a:schemeClr val="phClr">
+                <a:shade val="93000"/>
+                <a:satMod val="130000"/>
+              </a:schemeClr>
+            </a:gs>
+            <a:gs pos="100000">
+              <a:schemeClr val="phClr">
+                <a:shade val="94000"/>
+                <a:satMod val="135000"/>
+              </a:schemeClr>
+            </a:gs>
+          </a:gsLst>
+          <a:lin ang="16200000" scaled="0"/>
+        </a:gradFill>
+      </a:fillStyleLst>
+      <a:lnStyleLst>
+        <a:ln w="9525" cap="flat" cmpd="sng" algn="ctr">
+          <a:solidFill>
+            <a:schemeClr val="phClr">
+              <a:shade val="95000"/>
+              <a:satMod val="105000"/>
+            </a:schemeClr>
+          </a:solidFill>
+          <a:prstDash val="solid"/>
+        </a:ln>
+        <a:ln w="25400" cap="flat" cmpd="sng" algn="ctr">
+          <a:solidFill>
+            <a:schemeClr val="phClr"/>
+          </a:solidFill>
+          <a:prstDash val="solid"/>
+        </a:ln>
+        <a:ln w="38100" cap="flat" cmpd="sng" algn="ctr">
+          <a:solidFill>
+            <a:schemeClr val="phClr"/>
+          </a:solidFill>
+          <a:prstDash val="solid"/>
+        </a:ln>
+      </a:lnStyleLst>
+      <a:effectStyleLst>
+        <a:effectStyle>
+          <a:effectLst>
+            <a:outerShdw blurRad="40000" dist="20000" dir="5400000" rotWithShape="0">
+              <a:srgbClr val="000000">
+                <a:alpha val="38000"/>
+              </a:srgbClr>
+            </a:outerShdw>
+          </a:effectLst>
+        </a:effectStyle>
+        <a:effectStyle>
+          <a:effectLst>
+            <a:outerShdw blurRad="40000" dist="23000" dir="5400000" rotWithShape="0">
+              <a:srgbClr val="000000">
+                <a:alpha val="35000"/>
+              </a:srgbClr>
+            </a:outerShdw>
+          </a:effectLst>
+        </a:effectStyle>
+        <a:effectStyle>
+          <a:effectLst>
+            <a:outerShdw blurRad="40000" dist="23000" dir="5400000" rotWithShape="0">
+              <a:srgbClr val="000000">
+                <a:alpha val="35000"/>
+              </a:srgbClr>
+            </a:outerShdw>
+          </a:effectLst>
+          <a:scene3d>
+            <a:camera prst="orthographicFront">
+              <a:rot lat="0" lon="0" rev="0"/>
+            </a:camera>
+            <a:lightRig rig="threePt" dir="t">
+              <a:rot lat="0" lon="0" rev="1200000"/>
+            </a:lightRig>
+          </a:scene3d>
+          <a:sp3d>
+            <a:bevelT w="63500" h="25400"/>
+          </a:sp3d>
+        </a:effectStyle>
+      </a:effectStyleLst>
+      <a:bgFillStyleLst>
+        <a:solidFill>
+          <a:schemeClr val="phClr"/>
+        </a:solidFill>
+        <a:gradFill rotWithShape="1">
+          <a:gsLst>
+            <a:gs pos="0">
+              <a:schemeClr val="phClr">
+                <a:tint val="40000"/>
+                <a:satMod val="350000"/>
+              </a:schemeClr>
+            </a:gs>
+            <a:gs pos="40000">
+              <a:schemeClr val="phClr">
+                <a:tint val="45000"/>
+                <a:shade val="99000"/>
+                <a:satMod val="350000"/>
+              </a:schemeClr>
+            </a:gs>
+            <a:gs pos="100000">
+              <a:schemeClr val="phClr">
+                <a:shade val="20000"/>
+                <a:satMod val="255000"/>
+              </a:schemeClr>
+            </a:gs>
+          </a:gsLst>
+          <a:path path="circle">
+            <a:fillToRect l="50000" t="-80000" r="50000" b="180000"/>
+          </a:path>
+        </a:gradFill>
+        <a:gradFill rotWithShape="1">
+          <a:gsLst>
+            <a:gs pos="0">
+              <a:schemeClr val="phClr">
+                <a:tint val="80000"/>
+                <a:satMod val="300000"/>
+              </a:schemeClr>
+            </a:gs>
+            <a:gs pos="100000">
+              <a:schemeClr val="phClr">
+                <a:shade val="30000"/>
+                <a:satMod val="200000"/>
+              </a:schemeClr>
+            </a:gs>
+          </a:gsLst>
+          <a:path path="circle">
+            <a:fillToRect l="50000" t="50000" r="50000" b="50000"/>
+          </a:path>
+        </a:gradFill>
+      </a:bgFillStyleLst>
+    </a:fmtScheme>
+  </a:themeElements>
+  <a:objectDefaults/>
+  <a:extraClrSchemeLst/>
+</a:theme>
 </file>